--- a/assets/img/posts/etc/request.pptx
+++ b/assets/img/posts/etc/request.pptx
@@ -260,7 +260,7 @@
           <a:p>
             <a:fld id="{4837D751-97B3-D04F-8B09-852EC63D87E8}" type="datetimeFigureOut">
               <a:rPr kumimoji="1" lang="ko-KR" altLang="en-US" smtClean="0"/>
-              <a:t>2021. 12. 15.</a:t>
+              <a:t>2021. 12. 17.</a:t>
             </a:fld>
             <a:endParaRPr kumimoji="1" lang="ko-KR" altLang="en-US"/>
           </a:p>
@@ -433,7 +433,7 @@
           <a:p>
             <a:fld id="{4837D751-97B3-D04F-8B09-852EC63D87E8}" type="datetimeFigureOut">
               <a:rPr kumimoji="1" lang="ko-KR" altLang="en-US" smtClean="0"/>
-              <a:t>2021. 12. 15.</a:t>
+              <a:t>2021. 12. 17.</a:t>
             </a:fld>
             <a:endParaRPr kumimoji="1" lang="ko-KR" altLang="en-US"/>
           </a:p>
@@ -616,7 +616,7 @@
           <a:p>
             <a:fld id="{4837D751-97B3-D04F-8B09-852EC63D87E8}" type="datetimeFigureOut">
               <a:rPr kumimoji="1" lang="ko-KR" altLang="en-US" smtClean="0"/>
-              <a:t>2021. 12. 15.</a:t>
+              <a:t>2021. 12. 17.</a:t>
             </a:fld>
             <a:endParaRPr kumimoji="1" lang="ko-KR" altLang="en-US"/>
           </a:p>
@@ -789,7 +789,7 @@
           <a:p>
             <a:fld id="{4837D751-97B3-D04F-8B09-852EC63D87E8}" type="datetimeFigureOut">
               <a:rPr kumimoji="1" lang="ko-KR" altLang="en-US" smtClean="0"/>
-              <a:t>2021. 12. 15.</a:t>
+              <a:t>2021. 12. 17.</a:t>
             </a:fld>
             <a:endParaRPr kumimoji="1" lang="ko-KR" altLang="en-US"/>
           </a:p>
@@ -1067,7 +1067,7 @@
           <a:p>
             <a:fld id="{4837D751-97B3-D04F-8B09-852EC63D87E8}" type="datetimeFigureOut">
               <a:rPr kumimoji="1" lang="ko-KR" altLang="en-US" smtClean="0"/>
-              <a:t>2021. 12. 15.</a:t>
+              <a:t>2021. 12. 17.</a:t>
             </a:fld>
             <a:endParaRPr kumimoji="1" lang="ko-KR" altLang="en-US"/>
           </a:p>
@@ -1282,7 +1282,7 @@
           <a:p>
             <a:fld id="{4837D751-97B3-D04F-8B09-852EC63D87E8}" type="datetimeFigureOut">
               <a:rPr kumimoji="1" lang="ko-KR" altLang="en-US" smtClean="0"/>
-              <a:t>2021. 12. 15.</a:t>
+              <a:t>2021. 12. 17.</a:t>
             </a:fld>
             <a:endParaRPr kumimoji="1" lang="ko-KR" altLang="en-US"/>
           </a:p>
@@ -1650,7 +1650,7 @@
           <a:p>
             <a:fld id="{4837D751-97B3-D04F-8B09-852EC63D87E8}" type="datetimeFigureOut">
               <a:rPr kumimoji="1" lang="ko-KR" altLang="en-US" smtClean="0"/>
-              <a:t>2021. 12. 15.</a:t>
+              <a:t>2021. 12. 17.</a:t>
             </a:fld>
             <a:endParaRPr kumimoji="1" lang="ko-KR" altLang="en-US"/>
           </a:p>
@@ -1791,7 +1791,7 @@
           <a:p>
             <a:fld id="{4837D751-97B3-D04F-8B09-852EC63D87E8}" type="datetimeFigureOut">
               <a:rPr kumimoji="1" lang="ko-KR" altLang="en-US" smtClean="0"/>
-              <a:t>2021. 12. 15.</a:t>
+              <a:t>2021. 12. 17.</a:t>
             </a:fld>
             <a:endParaRPr kumimoji="1" lang="ko-KR" altLang="en-US"/>
           </a:p>
@@ -1904,7 +1904,7 @@
           <a:p>
             <a:fld id="{4837D751-97B3-D04F-8B09-852EC63D87E8}" type="datetimeFigureOut">
               <a:rPr kumimoji="1" lang="ko-KR" altLang="en-US" smtClean="0"/>
-              <a:t>2021. 12. 15.</a:t>
+              <a:t>2021. 12. 17.</a:t>
             </a:fld>
             <a:endParaRPr kumimoji="1" lang="ko-KR" altLang="en-US"/>
           </a:p>
@@ -2193,7 +2193,7 @@
           <a:p>
             <a:fld id="{4837D751-97B3-D04F-8B09-852EC63D87E8}" type="datetimeFigureOut">
               <a:rPr kumimoji="1" lang="ko-KR" altLang="en-US" smtClean="0"/>
-              <a:t>2021. 12. 15.</a:t>
+              <a:t>2021. 12. 17.</a:t>
             </a:fld>
             <a:endParaRPr kumimoji="1" lang="ko-KR" altLang="en-US"/>
           </a:p>
@@ -2484,7 +2484,7 @@
           <a:p>
             <a:fld id="{4837D751-97B3-D04F-8B09-852EC63D87E8}" type="datetimeFigureOut">
               <a:rPr kumimoji="1" lang="ko-KR" altLang="en-US" smtClean="0"/>
-              <a:t>2021. 12. 15.</a:t>
+              <a:t>2021. 12. 17.</a:t>
             </a:fld>
             <a:endParaRPr kumimoji="1" lang="ko-KR" altLang="en-US"/>
           </a:p>
@@ -2700,7 +2700,7 @@
           <a:p>
             <a:fld id="{4837D751-97B3-D04F-8B09-852EC63D87E8}" type="datetimeFigureOut">
               <a:rPr kumimoji="1" lang="ko-KR" altLang="en-US" smtClean="0"/>
-              <a:t>2021. 12. 15.</a:t>
+              <a:t>2021. 12. 17.</a:t>
             </a:fld>
             <a:endParaRPr kumimoji="1" lang="ko-KR" altLang="en-US"/>
           </a:p>
@@ -3119,10 +3119,10 @@
       </p:grpSpPr>
       <p:grpSp>
         <p:nvGrpSpPr>
-          <p:cNvPr id="9" name="그룹 8">
-            <a:extLst>
-              <a:ext uri="{FF2B5EF4-FFF2-40B4-BE49-F238E27FC236}">
-                <a16:creationId xmlns:a16="http://schemas.microsoft.com/office/drawing/2014/main" id="{7CCAA54C-7F22-F24B-B526-A4D79465AE52}"/>
+          <p:cNvPr id="23" name="그룹 22">
+            <a:extLst>
+              <a:ext uri="{FF2B5EF4-FFF2-40B4-BE49-F238E27FC236}">
+                <a16:creationId xmlns:a16="http://schemas.microsoft.com/office/drawing/2014/main" id="{6BA2B381-735B-0D4C-9D56-14E623AD4A4C}"/>
               </a:ext>
             </a:extLst>
           </p:cNvPr>
@@ -3131,10 +3131,10 @@
         </p:nvGrpSpPr>
         <p:grpSpPr>
           <a:xfrm>
-            <a:off x="3335160" y="1576551"/>
-            <a:ext cx="3809646" cy="1047200"/>
-            <a:chOff x="3335160" y="1576551"/>
-            <a:chExt cx="3809646" cy="1047200"/>
+            <a:off x="3342290" y="1576550"/>
+            <a:ext cx="4390954" cy="1047201"/>
+            <a:chOff x="3342290" y="1576550"/>
+            <a:chExt cx="4390954" cy="1047201"/>
           </a:xfrm>
         </p:grpSpPr>
         <p:sp>
@@ -3195,7 +3195,7 @@
           </p:nvSpPr>
           <p:spPr>
             <a:xfrm>
-              <a:off x="3377514" y="1576552"/>
+              <a:off x="3425894" y="1576552"/>
               <a:ext cx="827272" cy="425243"/>
             </a:xfrm>
             <a:prstGeom prst="roundRect">
@@ -3249,8 +3249,8 @@
           </p:nvSpPr>
           <p:spPr>
             <a:xfrm>
-              <a:off x="4240010" y="1576552"/>
-              <a:ext cx="1447588" cy="425243"/>
+              <a:off x="4252686" y="1576552"/>
+              <a:ext cx="1425236" cy="425243"/>
             </a:xfrm>
             <a:prstGeom prst="roundRect">
               <a:avLst/>
@@ -3303,7 +3303,7 @@
           </p:nvSpPr>
           <p:spPr>
             <a:xfrm>
-              <a:off x="5722822" y="1576551"/>
+              <a:off x="5679280" y="1576551"/>
               <a:ext cx="1311662" cy="425243"/>
             </a:xfrm>
             <a:prstGeom prst="roundRect">
@@ -3357,7 +3357,7 @@
           </p:nvSpPr>
           <p:spPr>
             <a:xfrm>
-              <a:off x="3335160" y="2198507"/>
+              <a:off x="3383540" y="2198507"/>
               <a:ext cx="910281" cy="425243"/>
             </a:xfrm>
             <a:prstGeom prst="roundRect">
@@ -3484,7 +3484,7 @@
           </p:nvSpPr>
           <p:spPr>
             <a:xfrm>
-              <a:off x="5923512" y="2198508"/>
+              <a:off x="5879970" y="2198508"/>
               <a:ext cx="910281" cy="425243"/>
             </a:xfrm>
             <a:prstGeom prst="roundRect">
@@ -3549,7 +3549,7 @@
           </p:nvCxnSpPr>
           <p:spPr>
             <a:xfrm flipH="1">
-              <a:off x="3790301" y="2001795"/>
+              <a:off x="3838681" y="2001795"/>
               <a:ext cx="849" cy="196712"/>
             </a:xfrm>
             <a:prstGeom prst="line">
@@ -3595,9 +3595,9 @@
             <p:nvPr/>
           </p:nvCxnSpPr>
           <p:spPr>
-            <a:xfrm>
+            <a:xfrm flipH="1">
               <a:off x="4963804" y="2001795"/>
-              <a:ext cx="0" cy="196713"/>
+              <a:ext cx="1500" cy="196713"/>
             </a:xfrm>
             <a:prstGeom prst="line">
               <a:avLst/>
@@ -3642,7 +3642,7 @@
           </p:nvCxnSpPr>
           <p:spPr>
             <a:xfrm>
-              <a:off x="6378653" y="2001794"/>
+              <a:off x="6335111" y="2001794"/>
               <a:ext cx="0" cy="196714"/>
             </a:xfrm>
             <a:prstGeom prst="line">
@@ -3651,6 +3651,173 @@
             <a:ln w="50800">
               <a:solidFill>
                 <a:schemeClr val="accent4">
+                  <a:alpha val="55000"/>
+                </a:schemeClr>
+              </a:solidFill>
+            </a:ln>
+          </p:spPr>
+          <p:style>
+            <a:lnRef idx="1">
+              <a:schemeClr val="accent1"/>
+            </a:lnRef>
+            <a:fillRef idx="0">
+              <a:schemeClr val="accent1"/>
+            </a:fillRef>
+            <a:effectRef idx="0">
+              <a:schemeClr val="accent1"/>
+            </a:effectRef>
+            <a:fontRef idx="minor">
+              <a:schemeClr val="tx1"/>
+            </a:fontRef>
+          </p:style>
+        </p:cxnSp>
+        <p:sp>
+          <p:nvSpPr>
+            <p:cNvPr id="18" name="모서리가 둥근 직사각형 17">
+              <a:extLst>
+                <a:ext uri="{FF2B5EF4-FFF2-40B4-BE49-F238E27FC236}">
+                  <a16:creationId xmlns:a16="http://schemas.microsoft.com/office/drawing/2014/main" id="{0957D3DF-7B90-C848-9C1B-41C24C70CAAD}"/>
+                </a:ext>
+              </a:extLst>
+            </p:cNvPr>
+            <p:cNvSpPr/>
+            <p:nvPr/>
+          </p:nvSpPr>
+          <p:spPr>
+            <a:xfrm>
+              <a:off x="6990941" y="1576550"/>
+              <a:ext cx="575839" cy="425243"/>
+            </a:xfrm>
+            <a:prstGeom prst="roundRect">
+              <a:avLst/>
+            </a:prstGeom>
+            <a:solidFill>
+              <a:schemeClr val="accent3">
+                <a:alpha val="55000"/>
+              </a:schemeClr>
+            </a:solidFill>
+            <a:ln>
+              <a:noFill/>
+            </a:ln>
+          </p:spPr>
+          <p:style>
+            <a:lnRef idx="2">
+              <a:schemeClr val="accent1">
+                <a:shade val="50000"/>
+              </a:schemeClr>
+            </a:lnRef>
+            <a:fillRef idx="1">
+              <a:schemeClr val="accent1"/>
+            </a:fillRef>
+            <a:effectRef idx="0">
+              <a:schemeClr val="accent1"/>
+            </a:effectRef>
+            <a:fontRef idx="minor">
+              <a:schemeClr val="lt1"/>
+            </a:fontRef>
+          </p:style>
+          <p:txBody>
+            <a:bodyPr rtlCol="0" anchor="ctr"/>
+            <a:lstStyle/>
+            <a:p>
+              <a:pPr algn="ctr"/>
+              <a:endParaRPr kumimoji="1" lang="ko-KR" altLang="en-US"/>
+            </a:p>
+          </p:txBody>
+        </p:sp>
+        <p:sp>
+          <p:nvSpPr>
+            <p:cNvPr id="19" name="모서리가 둥근 직사각형 18">
+              <a:extLst>
+                <a:ext uri="{FF2B5EF4-FFF2-40B4-BE49-F238E27FC236}">
+                  <a16:creationId xmlns:a16="http://schemas.microsoft.com/office/drawing/2014/main" id="{7FC9C1F7-6EB4-AB45-B583-8AC56407632D}"/>
+                </a:ext>
+              </a:extLst>
+            </p:cNvPr>
+            <p:cNvSpPr/>
+            <p:nvPr/>
+          </p:nvSpPr>
+          <p:spPr>
+            <a:xfrm>
+              <a:off x="6822963" y="2198507"/>
+              <a:ext cx="910281" cy="425243"/>
+            </a:xfrm>
+            <a:prstGeom prst="roundRect">
+              <a:avLst/>
+            </a:prstGeom>
+            <a:solidFill>
+              <a:schemeClr val="accent3">
+                <a:alpha val="55000"/>
+              </a:schemeClr>
+            </a:solidFill>
+            <a:ln>
+              <a:noFill/>
+            </a:ln>
+          </p:spPr>
+          <p:style>
+            <a:lnRef idx="2">
+              <a:schemeClr val="accent1">
+                <a:shade val="50000"/>
+              </a:schemeClr>
+            </a:lnRef>
+            <a:fillRef idx="1">
+              <a:schemeClr val="accent1"/>
+            </a:fillRef>
+            <a:effectRef idx="0">
+              <a:schemeClr val="accent1"/>
+            </a:effectRef>
+            <a:fontRef idx="minor">
+              <a:schemeClr val="lt1"/>
+            </a:fontRef>
+          </p:style>
+          <p:txBody>
+            <a:bodyPr rtlCol="0" anchor="ctr"/>
+            <a:lstStyle/>
+            <a:p>
+              <a:pPr algn="ctr"/>
+              <a:r>
+                <a:rPr kumimoji="1" lang="en-US" altLang="ko-KR" dirty="0">
+                  <a:solidFill>
+                    <a:schemeClr val="tx1"/>
+                  </a:solidFill>
+                </a:rPr>
+                <a:t>CR+LF</a:t>
+              </a:r>
+              <a:endParaRPr kumimoji="1" lang="ko-KR" altLang="en-US" dirty="0">
+                <a:solidFill>
+                  <a:schemeClr val="tx1"/>
+                </a:solidFill>
+              </a:endParaRPr>
+            </a:p>
+          </p:txBody>
+        </p:sp>
+        <p:cxnSp>
+          <p:nvCxnSpPr>
+            <p:cNvPr id="21" name="직선 연결선[R] 20">
+              <a:extLst>
+                <a:ext uri="{FF2B5EF4-FFF2-40B4-BE49-F238E27FC236}">
+                  <a16:creationId xmlns:a16="http://schemas.microsoft.com/office/drawing/2014/main" id="{64ED0FAE-8CA6-CE42-89A8-4C7549D4E8D0}"/>
+                </a:ext>
+              </a:extLst>
+            </p:cNvPr>
+            <p:cNvCxnSpPr>
+              <a:cxnSpLocks/>
+              <a:stCxn id="18" idx="2"/>
+              <a:endCxn id="19" idx="0"/>
+            </p:cNvCxnSpPr>
+            <p:nvPr/>
+          </p:nvCxnSpPr>
+          <p:spPr>
+            <a:xfrm flipH="1">
+              <a:off x="7278104" y="2001793"/>
+              <a:ext cx="757" cy="196714"/>
+            </a:xfrm>
+            <a:prstGeom prst="line">
+              <a:avLst/>
+            </a:prstGeom>
+            <a:ln w="50800">
+              <a:solidFill>
+                <a:schemeClr val="accent3">
                   <a:alpha val="55000"/>
                 </a:schemeClr>
               </a:solidFill>
@@ -3702,6 +3869,558 @@
           <a:chExt cx="0" cy="0"/>
         </a:xfrm>
       </p:grpSpPr>
+      <p:grpSp>
+        <p:nvGrpSpPr>
+          <p:cNvPr id="55" name="그룹 54">
+            <a:extLst>
+              <a:ext uri="{FF2B5EF4-FFF2-40B4-BE49-F238E27FC236}">
+                <a16:creationId xmlns:a16="http://schemas.microsoft.com/office/drawing/2014/main" id="{9D133F70-9500-FE4A-90BF-150928C4A610}"/>
+              </a:ext>
+            </a:extLst>
+          </p:cNvPr>
+          <p:cNvGrpSpPr/>
+          <p:nvPr/>
+        </p:nvGrpSpPr>
+        <p:grpSpPr>
+          <a:xfrm>
+            <a:off x="3138856" y="1576550"/>
+            <a:ext cx="4019352" cy="1047201"/>
+            <a:chOff x="3138856" y="1576550"/>
+            <a:chExt cx="4019352" cy="1047201"/>
+          </a:xfrm>
+        </p:grpSpPr>
+        <p:sp>
+          <p:nvSpPr>
+            <p:cNvPr id="35" name="TextBox 34">
+              <a:extLst>
+                <a:ext uri="{FF2B5EF4-FFF2-40B4-BE49-F238E27FC236}">
+                  <a16:creationId xmlns:a16="http://schemas.microsoft.com/office/drawing/2014/main" id="{F17442E8-1598-E14B-ADC9-42B52B7556B2}"/>
+                </a:ext>
+              </a:extLst>
+            </p:cNvPr>
+            <p:cNvSpPr txBox="1"/>
+            <p:nvPr/>
+          </p:nvSpPr>
+          <p:spPr>
+            <a:xfrm>
+              <a:off x="3342290" y="1576552"/>
+              <a:ext cx="3245056" cy="461665"/>
+            </a:xfrm>
+            <a:prstGeom prst="rect">
+              <a:avLst/>
+            </a:prstGeom>
+            <a:noFill/>
+          </p:spPr>
+          <p:txBody>
+            <a:bodyPr wrap="none" rtlCol="0">
+              <a:spAutoFit/>
+            </a:bodyPr>
+            <a:lstStyle/>
+            <a:p>
+              <a:r>
+                <a:rPr kumimoji="1" lang="en-US" altLang="ko-KR" sz="2400" dirty="0"/>
+                <a:t>Host: </a:t>
+              </a:r>
+              <a:r>
+                <a:rPr kumimoji="1" lang="en-US" altLang="ko-KR" sz="2400" dirty="0" err="1"/>
+                <a:t>beomy.github.io</a:t>
+              </a:r>
+              <a:endParaRPr kumimoji="1" lang="ko-KR" altLang="en-US" sz="2400" dirty="0"/>
+            </a:p>
+          </p:txBody>
+        </p:sp>
+        <p:sp>
+          <p:nvSpPr>
+            <p:cNvPr id="36" name="모서리가 둥근 직사각형 35">
+              <a:extLst>
+                <a:ext uri="{FF2B5EF4-FFF2-40B4-BE49-F238E27FC236}">
+                  <a16:creationId xmlns:a16="http://schemas.microsoft.com/office/drawing/2014/main" id="{FDEA0581-B16E-3F4C-9E18-1A98D4A21C3B}"/>
+                </a:ext>
+              </a:extLst>
+            </p:cNvPr>
+            <p:cNvSpPr/>
+            <p:nvPr/>
+          </p:nvSpPr>
+          <p:spPr>
+            <a:xfrm>
+              <a:off x="3425894" y="1576552"/>
+              <a:ext cx="665339" cy="425243"/>
+            </a:xfrm>
+            <a:prstGeom prst="roundRect">
+              <a:avLst/>
+            </a:prstGeom>
+            <a:solidFill>
+              <a:schemeClr val="accent6">
+                <a:alpha val="55000"/>
+              </a:schemeClr>
+            </a:solidFill>
+            <a:ln>
+              <a:noFill/>
+            </a:ln>
+          </p:spPr>
+          <p:style>
+            <a:lnRef idx="2">
+              <a:schemeClr val="accent1">
+                <a:shade val="50000"/>
+              </a:schemeClr>
+            </a:lnRef>
+            <a:fillRef idx="1">
+              <a:schemeClr val="accent1"/>
+            </a:fillRef>
+            <a:effectRef idx="0">
+              <a:schemeClr val="accent1"/>
+            </a:effectRef>
+            <a:fontRef idx="minor">
+              <a:schemeClr val="lt1"/>
+            </a:fontRef>
+          </p:style>
+          <p:txBody>
+            <a:bodyPr rtlCol="0" anchor="ctr"/>
+            <a:lstStyle/>
+            <a:p>
+              <a:pPr algn="ctr"/>
+              <a:endParaRPr kumimoji="1" lang="ko-KR" altLang="en-US" dirty="0"/>
+            </a:p>
+          </p:txBody>
+        </p:sp>
+        <p:sp>
+          <p:nvSpPr>
+            <p:cNvPr id="37" name="모서리가 둥근 직사각형 36">
+              <a:extLst>
+                <a:ext uri="{FF2B5EF4-FFF2-40B4-BE49-F238E27FC236}">
+                  <a16:creationId xmlns:a16="http://schemas.microsoft.com/office/drawing/2014/main" id="{F2917489-AC8A-1C43-9871-F313DBF0B914}"/>
+                </a:ext>
+              </a:extLst>
+            </p:cNvPr>
+            <p:cNvSpPr/>
+            <p:nvPr/>
+          </p:nvSpPr>
+          <p:spPr>
+            <a:xfrm>
+              <a:off x="4205551" y="1576552"/>
+              <a:ext cx="2214102" cy="425243"/>
+            </a:xfrm>
+            <a:prstGeom prst="roundRect">
+              <a:avLst/>
+            </a:prstGeom>
+            <a:solidFill>
+              <a:schemeClr val="accent5">
+                <a:alpha val="55000"/>
+              </a:schemeClr>
+            </a:solidFill>
+            <a:ln>
+              <a:noFill/>
+            </a:ln>
+          </p:spPr>
+          <p:style>
+            <a:lnRef idx="2">
+              <a:schemeClr val="accent1">
+                <a:shade val="50000"/>
+              </a:schemeClr>
+            </a:lnRef>
+            <a:fillRef idx="1">
+              <a:schemeClr val="accent1"/>
+            </a:fillRef>
+            <a:effectRef idx="0">
+              <a:schemeClr val="accent1"/>
+            </a:effectRef>
+            <a:fontRef idx="minor">
+              <a:schemeClr val="lt1"/>
+            </a:fontRef>
+          </p:style>
+          <p:txBody>
+            <a:bodyPr rtlCol="0" anchor="ctr"/>
+            <a:lstStyle/>
+            <a:p>
+              <a:pPr algn="ctr"/>
+              <a:endParaRPr kumimoji="1" lang="ko-KR" altLang="en-US"/>
+            </a:p>
+          </p:txBody>
+        </p:sp>
+        <p:sp>
+          <p:nvSpPr>
+            <p:cNvPr id="39" name="모서리가 둥근 직사각형 38">
+              <a:extLst>
+                <a:ext uri="{FF2B5EF4-FFF2-40B4-BE49-F238E27FC236}">
+                  <a16:creationId xmlns:a16="http://schemas.microsoft.com/office/drawing/2014/main" id="{EBB05F53-5445-DD4A-A230-379A3BC099E5}"/>
+                </a:ext>
+              </a:extLst>
+            </p:cNvPr>
+            <p:cNvSpPr/>
+            <p:nvPr/>
+          </p:nvSpPr>
+          <p:spPr>
+            <a:xfrm>
+              <a:off x="3138856" y="2198507"/>
+              <a:ext cx="1244260" cy="425243"/>
+            </a:xfrm>
+            <a:prstGeom prst="roundRect">
+              <a:avLst/>
+            </a:prstGeom>
+            <a:solidFill>
+              <a:schemeClr val="accent6">
+                <a:alpha val="55000"/>
+              </a:schemeClr>
+            </a:solidFill>
+            <a:ln>
+              <a:noFill/>
+            </a:ln>
+          </p:spPr>
+          <p:style>
+            <a:lnRef idx="2">
+              <a:schemeClr val="accent1">
+                <a:shade val="50000"/>
+              </a:schemeClr>
+            </a:lnRef>
+            <a:fillRef idx="1">
+              <a:schemeClr val="accent1"/>
+            </a:fillRef>
+            <a:effectRef idx="0">
+              <a:schemeClr val="accent1"/>
+            </a:effectRef>
+            <a:fontRef idx="minor">
+              <a:schemeClr val="lt1"/>
+            </a:fontRef>
+          </p:style>
+          <p:txBody>
+            <a:bodyPr rtlCol="0" anchor="ctr"/>
+            <a:lstStyle/>
+            <a:p>
+              <a:pPr algn="ctr"/>
+              <a:r>
+                <a:rPr kumimoji="1" lang="ko-KR" altLang="en-US" dirty="0">
+                  <a:solidFill>
+                    <a:schemeClr val="tx1"/>
+                  </a:solidFill>
+                </a:rPr>
+                <a:t>헤더 이름</a:t>
+              </a:r>
+            </a:p>
+          </p:txBody>
+        </p:sp>
+        <p:sp>
+          <p:nvSpPr>
+            <p:cNvPr id="40" name="모서리가 둥근 직사각형 39">
+              <a:extLst>
+                <a:ext uri="{FF2B5EF4-FFF2-40B4-BE49-F238E27FC236}">
+                  <a16:creationId xmlns:a16="http://schemas.microsoft.com/office/drawing/2014/main" id="{E4305CFB-7CEF-6E44-AFA1-DE11405736FD}"/>
+                </a:ext>
+              </a:extLst>
+            </p:cNvPr>
+            <p:cNvSpPr/>
+            <p:nvPr/>
+          </p:nvSpPr>
+          <p:spPr>
+            <a:xfrm>
+              <a:off x="4804880" y="2198508"/>
+              <a:ext cx="1015444" cy="425243"/>
+            </a:xfrm>
+            <a:prstGeom prst="roundRect">
+              <a:avLst/>
+            </a:prstGeom>
+            <a:solidFill>
+              <a:schemeClr val="accent5">
+                <a:alpha val="55000"/>
+              </a:schemeClr>
+            </a:solidFill>
+            <a:ln>
+              <a:noFill/>
+            </a:ln>
+          </p:spPr>
+          <p:style>
+            <a:lnRef idx="2">
+              <a:schemeClr val="accent1">
+                <a:shade val="50000"/>
+              </a:schemeClr>
+            </a:lnRef>
+            <a:fillRef idx="1">
+              <a:schemeClr val="accent1"/>
+            </a:fillRef>
+            <a:effectRef idx="0">
+              <a:schemeClr val="accent1"/>
+            </a:effectRef>
+            <a:fontRef idx="minor">
+              <a:schemeClr val="lt1"/>
+            </a:fontRef>
+          </p:style>
+          <p:txBody>
+            <a:bodyPr rtlCol="0" anchor="ctr"/>
+            <a:lstStyle/>
+            <a:p>
+              <a:pPr algn="ctr"/>
+              <a:r>
+                <a:rPr kumimoji="1" lang="ko-KR" altLang="en-US" dirty="0">
+                  <a:solidFill>
+                    <a:schemeClr val="tx1"/>
+                  </a:solidFill>
+                </a:rPr>
+                <a:t>헤더 값</a:t>
+              </a:r>
+            </a:p>
+          </p:txBody>
+        </p:sp>
+        <p:cxnSp>
+          <p:nvCxnSpPr>
+            <p:cNvPr id="42" name="직선 연결선[R] 41">
+              <a:extLst>
+                <a:ext uri="{FF2B5EF4-FFF2-40B4-BE49-F238E27FC236}">
+                  <a16:creationId xmlns:a16="http://schemas.microsoft.com/office/drawing/2014/main" id="{8DB17448-C11B-AA42-987C-48EACDEC0662}"/>
+                </a:ext>
+              </a:extLst>
+            </p:cNvPr>
+            <p:cNvCxnSpPr>
+              <a:cxnSpLocks/>
+              <a:stCxn id="36" idx="2"/>
+              <a:endCxn id="39" idx="0"/>
+            </p:cNvCxnSpPr>
+            <p:nvPr/>
+          </p:nvCxnSpPr>
+          <p:spPr>
+            <a:xfrm>
+              <a:off x="3758564" y="2001795"/>
+              <a:ext cx="2422" cy="196712"/>
+            </a:xfrm>
+            <a:prstGeom prst="line">
+              <a:avLst/>
+            </a:prstGeom>
+            <a:ln w="50800">
+              <a:solidFill>
+                <a:schemeClr val="accent6">
+                  <a:alpha val="55000"/>
+                </a:schemeClr>
+              </a:solidFill>
+            </a:ln>
+          </p:spPr>
+          <p:style>
+            <a:lnRef idx="1">
+              <a:schemeClr val="accent1"/>
+            </a:lnRef>
+            <a:fillRef idx="0">
+              <a:schemeClr val="accent1"/>
+            </a:fillRef>
+            <a:effectRef idx="0">
+              <a:schemeClr val="accent1"/>
+            </a:effectRef>
+            <a:fontRef idx="minor">
+              <a:schemeClr val="tx1"/>
+            </a:fontRef>
+          </p:style>
+        </p:cxnSp>
+        <p:cxnSp>
+          <p:nvCxnSpPr>
+            <p:cNvPr id="43" name="직선 연결선[R] 42">
+              <a:extLst>
+                <a:ext uri="{FF2B5EF4-FFF2-40B4-BE49-F238E27FC236}">
+                  <a16:creationId xmlns:a16="http://schemas.microsoft.com/office/drawing/2014/main" id="{76329AC2-BE77-0C47-A1D2-57A7F7CAF8C6}"/>
+                </a:ext>
+              </a:extLst>
+            </p:cNvPr>
+            <p:cNvCxnSpPr>
+              <a:cxnSpLocks/>
+              <a:stCxn id="37" idx="2"/>
+              <a:endCxn id="40" idx="0"/>
+            </p:cNvCxnSpPr>
+            <p:nvPr/>
+          </p:nvCxnSpPr>
+          <p:spPr>
+            <a:xfrm>
+              <a:off x="5312602" y="2001795"/>
+              <a:ext cx="0" cy="196713"/>
+            </a:xfrm>
+            <a:prstGeom prst="line">
+              <a:avLst/>
+            </a:prstGeom>
+            <a:ln w="50800">
+              <a:solidFill>
+                <a:schemeClr val="accent5">
+                  <a:alpha val="55000"/>
+                </a:schemeClr>
+              </a:solidFill>
+            </a:ln>
+          </p:spPr>
+          <p:style>
+            <a:lnRef idx="1">
+              <a:schemeClr val="accent1"/>
+            </a:lnRef>
+            <a:fillRef idx="0">
+              <a:schemeClr val="accent1"/>
+            </a:fillRef>
+            <a:effectRef idx="0">
+              <a:schemeClr val="accent1"/>
+            </a:effectRef>
+            <a:fontRef idx="minor">
+              <a:schemeClr val="tx1"/>
+            </a:fontRef>
+          </p:style>
+        </p:cxnSp>
+        <p:sp>
+          <p:nvSpPr>
+            <p:cNvPr id="45" name="모서리가 둥근 직사각형 44">
+              <a:extLst>
+                <a:ext uri="{FF2B5EF4-FFF2-40B4-BE49-F238E27FC236}">
+                  <a16:creationId xmlns:a16="http://schemas.microsoft.com/office/drawing/2014/main" id="{BD6B607E-A5D4-654A-9DA3-639A907B9019}"/>
+                </a:ext>
+              </a:extLst>
+            </p:cNvPr>
+            <p:cNvSpPr/>
+            <p:nvPr/>
+          </p:nvSpPr>
+          <p:spPr>
+            <a:xfrm>
+              <a:off x="6415905" y="1576550"/>
+              <a:ext cx="575839" cy="425243"/>
+            </a:xfrm>
+            <a:prstGeom prst="roundRect">
+              <a:avLst/>
+            </a:prstGeom>
+            <a:solidFill>
+              <a:schemeClr val="accent3">
+                <a:alpha val="55000"/>
+              </a:schemeClr>
+            </a:solidFill>
+            <a:ln>
+              <a:noFill/>
+            </a:ln>
+          </p:spPr>
+          <p:style>
+            <a:lnRef idx="2">
+              <a:schemeClr val="accent1">
+                <a:shade val="50000"/>
+              </a:schemeClr>
+            </a:lnRef>
+            <a:fillRef idx="1">
+              <a:schemeClr val="accent1"/>
+            </a:fillRef>
+            <a:effectRef idx="0">
+              <a:schemeClr val="accent1"/>
+            </a:effectRef>
+            <a:fontRef idx="minor">
+              <a:schemeClr val="lt1"/>
+            </a:fontRef>
+          </p:style>
+          <p:txBody>
+            <a:bodyPr rtlCol="0" anchor="ctr"/>
+            <a:lstStyle/>
+            <a:p>
+              <a:pPr algn="ctr"/>
+              <a:endParaRPr kumimoji="1" lang="ko-KR" altLang="en-US"/>
+            </a:p>
+          </p:txBody>
+        </p:sp>
+        <p:sp>
+          <p:nvSpPr>
+            <p:cNvPr id="46" name="모서리가 둥근 직사각형 45">
+              <a:extLst>
+                <a:ext uri="{FF2B5EF4-FFF2-40B4-BE49-F238E27FC236}">
+                  <a16:creationId xmlns:a16="http://schemas.microsoft.com/office/drawing/2014/main" id="{CA83D426-3C2F-9C41-9C21-A9969954DDB0}"/>
+                </a:ext>
+              </a:extLst>
+            </p:cNvPr>
+            <p:cNvSpPr/>
+            <p:nvPr/>
+          </p:nvSpPr>
+          <p:spPr>
+            <a:xfrm>
+              <a:off x="6247927" y="2198507"/>
+              <a:ext cx="910281" cy="425243"/>
+            </a:xfrm>
+            <a:prstGeom prst="roundRect">
+              <a:avLst/>
+            </a:prstGeom>
+            <a:solidFill>
+              <a:schemeClr val="accent3">
+                <a:alpha val="55000"/>
+              </a:schemeClr>
+            </a:solidFill>
+            <a:ln>
+              <a:noFill/>
+            </a:ln>
+          </p:spPr>
+          <p:style>
+            <a:lnRef idx="2">
+              <a:schemeClr val="accent1">
+                <a:shade val="50000"/>
+              </a:schemeClr>
+            </a:lnRef>
+            <a:fillRef idx="1">
+              <a:schemeClr val="accent1"/>
+            </a:fillRef>
+            <a:effectRef idx="0">
+              <a:schemeClr val="accent1"/>
+            </a:effectRef>
+            <a:fontRef idx="minor">
+              <a:schemeClr val="lt1"/>
+            </a:fontRef>
+          </p:style>
+          <p:txBody>
+            <a:bodyPr rtlCol="0" anchor="ctr"/>
+            <a:lstStyle/>
+            <a:p>
+              <a:pPr algn="ctr"/>
+              <a:r>
+                <a:rPr kumimoji="1" lang="en-US" altLang="ko-KR" dirty="0">
+                  <a:solidFill>
+                    <a:schemeClr val="tx1"/>
+                  </a:solidFill>
+                </a:rPr>
+                <a:t>CR+LF</a:t>
+              </a:r>
+              <a:endParaRPr kumimoji="1" lang="ko-KR" altLang="en-US" dirty="0">
+                <a:solidFill>
+                  <a:schemeClr val="tx1"/>
+                </a:solidFill>
+              </a:endParaRPr>
+            </a:p>
+          </p:txBody>
+        </p:sp>
+        <p:cxnSp>
+          <p:nvCxnSpPr>
+            <p:cNvPr id="47" name="직선 연결선[R] 46">
+              <a:extLst>
+                <a:ext uri="{FF2B5EF4-FFF2-40B4-BE49-F238E27FC236}">
+                  <a16:creationId xmlns:a16="http://schemas.microsoft.com/office/drawing/2014/main" id="{DB28825F-F011-2A47-A528-EB032213EC13}"/>
+                </a:ext>
+              </a:extLst>
+            </p:cNvPr>
+            <p:cNvCxnSpPr>
+              <a:cxnSpLocks/>
+              <a:stCxn id="45" idx="2"/>
+              <a:endCxn id="46" idx="0"/>
+            </p:cNvCxnSpPr>
+            <p:nvPr/>
+          </p:nvCxnSpPr>
+          <p:spPr>
+            <a:xfrm flipH="1">
+              <a:off x="6703068" y="2001793"/>
+              <a:ext cx="757" cy="196714"/>
+            </a:xfrm>
+            <a:prstGeom prst="line">
+              <a:avLst/>
+            </a:prstGeom>
+            <a:ln w="50800">
+              <a:solidFill>
+                <a:schemeClr val="accent3">
+                  <a:alpha val="55000"/>
+                </a:schemeClr>
+              </a:solidFill>
+            </a:ln>
+          </p:spPr>
+          <p:style>
+            <a:lnRef idx="1">
+              <a:schemeClr val="accent1"/>
+            </a:lnRef>
+            <a:fillRef idx="0">
+              <a:schemeClr val="accent1"/>
+            </a:fillRef>
+            <a:effectRef idx="0">
+              <a:schemeClr val="accent1"/>
+            </a:effectRef>
+            <a:fontRef idx="minor">
+              <a:schemeClr val="tx1"/>
+            </a:fontRef>
+          </p:style>
+        </p:cxnSp>
+      </p:grpSp>
     </p:spTree>
     <p:extLst>
       <p:ext uri="{BB962C8B-B14F-4D97-AF65-F5344CB8AC3E}">

--- a/assets/img/posts/etc/request.pptx
+++ b/assets/img/posts/etc/request.pptx
@@ -5,8 +5,9 @@
     <p:sldMasterId id="2147483648" r:id="rId1"/>
   </p:sldMasterIdLst>
   <p:sldIdLst>
-    <p:sldId id="256" r:id="rId2"/>
-    <p:sldId id="257" r:id="rId3"/>
+    <p:sldId id="258" r:id="rId2"/>
+    <p:sldId id="256" r:id="rId3"/>
+    <p:sldId id="257" r:id="rId4"/>
   </p:sldIdLst>
   <p:sldSz cx="12192000" cy="6858000"/>
   <p:notesSz cx="6858000" cy="9144000"/>
@@ -260,7 +261,7 @@
           <a:p>
             <a:fld id="{4837D751-97B3-D04F-8B09-852EC63D87E8}" type="datetimeFigureOut">
               <a:rPr kumimoji="1" lang="ko-KR" altLang="en-US" smtClean="0"/>
-              <a:t>2021. 12. 17.</a:t>
+              <a:t>2021. 12. 21.</a:t>
             </a:fld>
             <a:endParaRPr kumimoji="1" lang="ko-KR" altLang="en-US"/>
           </a:p>
@@ -433,7 +434,7 @@
           <a:p>
             <a:fld id="{4837D751-97B3-D04F-8B09-852EC63D87E8}" type="datetimeFigureOut">
               <a:rPr kumimoji="1" lang="ko-KR" altLang="en-US" smtClean="0"/>
-              <a:t>2021. 12. 17.</a:t>
+              <a:t>2021. 12. 21.</a:t>
             </a:fld>
             <a:endParaRPr kumimoji="1" lang="ko-KR" altLang="en-US"/>
           </a:p>
@@ -616,7 +617,7 @@
           <a:p>
             <a:fld id="{4837D751-97B3-D04F-8B09-852EC63D87E8}" type="datetimeFigureOut">
               <a:rPr kumimoji="1" lang="ko-KR" altLang="en-US" smtClean="0"/>
-              <a:t>2021. 12. 17.</a:t>
+              <a:t>2021. 12. 21.</a:t>
             </a:fld>
             <a:endParaRPr kumimoji="1" lang="ko-KR" altLang="en-US"/>
           </a:p>
@@ -789,7 +790,7 @@
           <a:p>
             <a:fld id="{4837D751-97B3-D04F-8B09-852EC63D87E8}" type="datetimeFigureOut">
               <a:rPr kumimoji="1" lang="ko-KR" altLang="en-US" smtClean="0"/>
-              <a:t>2021. 12. 17.</a:t>
+              <a:t>2021. 12. 21.</a:t>
             </a:fld>
             <a:endParaRPr kumimoji="1" lang="ko-KR" altLang="en-US"/>
           </a:p>
@@ -1067,7 +1068,7 @@
           <a:p>
             <a:fld id="{4837D751-97B3-D04F-8B09-852EC63D87E8}" type="datetimeFigureOut">
               <a:rPr kumimoji="1" lang="ko-KR" altLang="en-US" smtClean="0"/>
-              <a:t>2021. 12. 17.</a:t>
+              <a:t>2021. 12. 21.</a:t>
             </a:fld>
             <a:endParaRPr kumimoji="1" lang="ko-KR" altLang="en-US"/>
           </a:p>
@@ -1282,7 +1283,7 @@
           <a:p>
             <a:fld id="{4837D751-97B3-D04F-8B09-852EC63D87E8}" type="datetimeFigureOut">
               <a:rPr kumimoji="1" lang="ko-KR" altLang="en-US" smtClean="0"/>
-              <a:t>2021. 12. 17.</a:t>
+              <a:t>2021. 12. 21.</a:t>
             </a:fld>
             <a:endParaRPr kumimoji="1" lang="ko-KR" altLang="en-US"/>
           </a:p>
@@ -1650,7 +1651,7 @@
           <a:p>
             <a:fld id="{4837D751-97B3-D04F-8B09-852EC63D87E8}" type="datetimeFigureOut">
               <a:rPr kumimoji="1" lang="ko-KR" altLang="en-US" smtClean="0"/>
-              <a:t>2021. 12. 17.</a:t>
+              <a:t>2021. 12. 21.</a:t>
             </a:fld>
             <a:endParaRPr kumimoji="1" lang="ko-KR" altLang="en-US"/>
           </a:p>
@@ -1791,7 +1792,7 @@
           <a:p>
             <a:fld id="{4837D751-97B3-D04F-8B09-852EC63D87E8}" type="datetimeFigureOut">
               <a:rPr kumimoji="1" lang="ko-KR" altLang="en-US" smtClean="0"/>
-              <a:t>2021. 12. 17.</a:t>
+              <a:t>2021. 12. 21.</a:t>
             </a:fld>
             <a:endParaRPr kumimoji="1" lang="ko-KR" altLang="en-US"/>
           </a:p>
@@ -1904,7 +1905,7 @@
           <a:p>
             <a:fld id="{4837D751-97B3-D04F-8B09-852EC63D87E8}" type="datetimeFigureOut">
               <a:rPr kumimoji="1" lang="ko-KR" altLang="en-US" smtClean="0"/>
-              <a:t>2021. 12. 17.</a:t>
+              <a:t>2021. 12. 21.</a:t>
             </a:fld>
             <a:endParaRPr kumimoji="1" lang="ko-KR" altLang="en-US"/>
           </a:p>
@@ -2193,7 +2194,7 @@
           <a:p>
             <a:fld id="{4837D751-97B3-D04F-8B09-852EC63D87E8}" type="datetimeFigureOut">
               <a:rPr kumimoji="1" lang="ko-KR" altLang="en-US" smtClean="0"/>
-              <a:t>2021. 12. 17.</a:t>
+              <a:t>2021. 12. 21.</a:t>
             </a:fld>
             <a:endParaRPr kumimoji="1" lang="ko-KR" altLang="en-US"/>
           </a:p>
@@ -2484,7 +2485,7 @@
           <a:p>
             <a:fld id="{4837D751-97B3-D04F-8B09-852EC63D87E8}" type="datetimeFigureOut">
               <a:rPr kumimoji="1" lang="ko-KR" altLang="en-US" smtClean="0"/>
-              <a:t>2021. 12. 17.</a:t>
+              <a:t>2021. 12. 21.</a:t>
             </a:fld>
             <a:endParaRPr kumimoji="1" lang="ko-KR" altLang="en-US"/>
           </a:p>
@@ -2700,7 +2701,7 @@
           <a:p>
             <a:fld id="{4837D751-97B3-D04F-8B09-852EC63D87E8}" type="datetimeFigureOut">
               <a:rPr kumimoji="1" lang="ko-KR" altLang="en-US" smtClean="0"/>
-              <a:t>2021. 12. 17.</a:t>
+              <a:t>2021. 12. 21.</a:t>
             </a:fld>
             <a:endParaRPr kumimoji="1" lang="ko-KR" altLang="en-US"/>
           </a:p>
@@ -3119,6 +3120,476 @@
       </p:grpSpPr>
       <p:grpSp>
         <p:nvGrpSpPr>
+          <p:cNvPr id="6" name="그룹 5">
+            <a:extLst>
+              <a:ext uri="{FF2B5EF4-FFF2-40B4-BE49-F238E27FC236}">
+                <a16:creationId xmlns:a16="http://schemas.microsoft.com/office/drawing/2014/main" id="{D838CB9D-3D6B-EA4E-93B4-AE6D9DA3E430}"/>
+              </a:ext>
+            </a:extLst>
+          </p:cNvPr>
+          <p:cNvGrpSpPr/>
+          <p:nvPr/>
+        </p:nvGrpSpPr>
+        <p:grpSpPr>
+          <a:xfrm>
+            <a:off x="3342290" y="1576552"/>
+            <a:ext cx="7799475" cy="3046988"/>
+            <a:chOff x="3342290" y="1576552"/>
+            <a:chExt cx="7799475" cy="3046988"/>
+          </a:xfrm>
+        </p:grpSpPr>
+        <p:sp>
+          <p:nvSpPr>
+            <p:cNvPr id="17" name="TextBox 16">
+              <a:extLst>
+                <a:ext uri="{FF2B5EF4-FFF2-40B4-BE49-F238E27FC236}">
+                  <a16:creationId xmlns:a16="http://schemas.microsoft.com/office/drawing/2014/main" id="{8FCDB384-378A-E74A-8ADA-0FAFBCC03EE4}"/>
+                </a:ext>
+              </a:extLst>
+            </p:cNvPr>
+            <p:cNvSpPr txBox="1"/>
+            <p:nvPr/>
+          </p:nvSpPr>
+          <p:spPr>
+            <a:xfrm>
+              <a:off x="3342290" y="1576552"/>
+              <a:ext cx="5527411" cy="3046988"/>
+            </a:xfrm>
+            <a:prstGeom prst="rect">
+              <a:avLst/>
+            </a:prstGeom>
+            <a:noFill/>
+          </p:spPr>
+          <p:txBody>
+            <a:bodyPr wrap="none" rtlCol="0">
+              <a:spAutoFit/>
+            </a:bodyPr>
+            <a:lstStyle/>
+            <a:p>
+              <a:r>
+                <a:rPr kumimoji="1" lang="en-US" altLang="ko-KR" sz="2400" dirty="0"/>
+                <a:t>POST /</a:t>
+              </a:r>
+              <a:r>
+                <a:rPr kumimoji="1" lang="en-US" altLang="ko-KR" sz="2400" dirty="0" err="1"/>
+                <a:t>http.html</a:t>
+              </a:r>
+              <a:r>
+                <a:rPr kumimoji="1" lang="en-US" altLang="ko-KR" sz="2400" dirty="0"/>
+                <a:t> HTTP/1.1</a:t>
+              </a:r>
+            </a:p>
+            <a:p>
+              <a:r>
+                <a:rPr kumimoji="1" lang="en-US" altLang="ko-KR" sz="2400" dirty="0"/>
+                <a:t>Host:</a:t>
+              </a:r>
+              <a:r>
+                <a:rPr kumimoji="1" lang="ko-KR" altLang="en-US" sz="2400" dirty="0"/>
+                <a:t> </a:t>
+              </a:r>
+              <a:r>
+                <a:rPr kumimoji="1" lang="en-US" altLang="ko-KR" sz="2400" dirty="0" err="1"/>
+                <a:t>beomy.github.io</a:t>
+              </a:r>
+              <a:endParaRPr kumimoji="1" lang="en-US" altLang="ko-KR" sz="2400" dirty="0"/>
+            </a:p>
+            <a:p>
+              <a:r>
+                <a:rPr kumimoji="1" lang="en-US" altLang="ko-KR" sz="2400" dirty="0"/>
+                <a:t>Content-Type:</a:t>
+              </a:r>
+              <a:r>
+                <a:rPr kumimoji="1" lang="ko-KR" altLang="en-US" sz="2400" dirty="0"/>
+                <a:t> </a:t>
+              </a:r>
+              <a:r>
+                <a:rPr kumimoji="1" lang="en-US" altLang="ko-KR" sz="2400" dirty="0"/>
+                <a:t>application/</a:t>
+              </a:r>
+              <a:r>
+                <a:rPr kumimoji="1" lang="en-US" altLang="ko-KR" sz="2400" dirty="0" err="1"/>
+                <a:t>json</a:t>
+              </a:r>
+              <a:endParaRPr kumimoji="1" lang="en-US" altLang="ko-KR" sz="2400" dirty="0"/>
+            </a:p>
+            <a:p>
+              <a:r>
+                <a:rPr kumimoji="1" lang="en-US" altLang="ko-KR" sz="2400" dirty="0"/>
+                <a:t>Content-Length:</a:t>
+              </a:r>
+              <a:r>
+                <a:rPr kumimoji="1" lang="ko-KR" altLang="en-US" sz="2400" dirty="0"/>
+                <a:t> </a:t>
+              </a:r>
+              <a:r>
+                <a:rPr kumimoji="1" lang="en-US" altLang="ko-KR" sz="2400" dirty="0"/>
+                <a:t>32</a:t>
+              </a:r>
+            </a:p>
+            <a:p>
+              <a:endParaRPr kumimoji="1" lang="en-US" altLang="ko-KR" sz="2400" dirty="0"/>
+            </a:p>
+            <a:p>
+              <a:r>
+                <a:rPr kumimoji="1" lang="en-US" altLang="ko-KR" sz="2400" dirty="0"/>
+                <a:t>{</a:t>
+              </a:r>
+            </a:p>
+            <a:p>
+              <a:r>
+                <a:rPr kumimoji="1" lang="ko-KR" altLang="en-US" sz="2400" dirty="0"/>
+                <a:t>    </a:t>
+              </a:r>
+              <a:r>
+                <a:rPr kumimoji="1" lang="en-US" altLang="ko-KR" sz="2400" dirty="0"/>
+                <a:t>“data”:</a:t>
+              </a:r>
+              <a:r>
+                <a:rPr kumimoji="1" lang="ko-KR" altLang="en-US" sz="2400" dirty="0"/>
+                <a:t> </a:t>
+              </a:r>
+              <a:r>
+                <a:rPr kumimoji="1" lang="en-US" altLang="ko-KR" sz="2400" dirty="0"/>
+                <a:t>“</a:t>
+              </a:r>
+              <a:r>
+                <a:rPr kumimoji="1" lang="ko-KR" altLang="en-US" sz="2400" dirty="0"/>
+                <a:t>데이터가 바디에 담깁니다</a:t>
+              </a:r>
+              <a:r>
+                <a:rPr kumimoji="1" lang="en-US" altLang="ko-KR" sz="2400" dirty="0"/>
+                <a:t>.</a:t>
+              </a:r>
+              <a:r>
+                <a:rPr kumimoji="1" lang="ko-KR" altLang="en-US" sz="2400" dirty="0"/>
+                <a:t>”</a:t>
+              </a:r>
+              <a:endParaRPr kumimoji="1" lang="en-US" altLang="ko-KR" sz="2400" dirty="0"/>
+            </a:p>
+            <a:p>
+              <a:r>
+                <a:rPr kumimoji="1" lang="en-US" altLang="ko-KR" sz="2400" dirty="0"/>
+                <a:t>}</a:t>
+              </a:r>
+              <a:endParaRPr kumimoji="1" lang="ko-KR" altLang="en-US" sz="2400" dirty="0"/>
+            </a:p>
+          </p:txBody>
+        </p:sp>
+        <p:sp>
+          <p:nvSpPr>
+            <p:cNvPr id="3" name="직사각형 2">
+              <a:extLst>
+                <a:ext uri="{FF2B5EF4-FFF2-40B4-BE49-F238E27FC236}">
+                  <a16:creationId xmlns:a16="http://schemas.microsoft.com/office/drawing/2014/main" id="{47864A75-1E1A-A440-BABC-477475D32BB1}"/>
+                </a:ext>
+              </a:extLst>
+            </p:cNvPr>
+            <p:cNvSpPr/>
+            <p:nvPr/>
+          </p:nvSpPr>
+          <p:spPr>
+            <a:xfrm>
+              <a:off x="3419061" y="1576552"/>
+              <a:ext cx="7722704" cy="431152"/>
+            </a:xfrm>
+            <a:prstGeom prst="rect">
+              <a:avLst/>
+            </a:prstGeom>
+            <a:solidFill>
+              <a:schemeClr val="accent6">
+                <a:alpha val="55000"/>
+              </a:schemeClr>
+            </a:solidFill>
+            <a:ln>
+              <a:noFill/>
+            </a:ln>
+          </p:spPr>
+          <p:style>
+            <a:lnRef idx="2">
+              <a:schemeClr val="accent1">
+                <a:shade val="50000"/>
+              </a:schemeClr>
+            </a:lnRef>
+            <a:fillRef idx="1">
+              <a:schemeClr val="accent1"/>
+            </a:fillRef>
+            <a:effectRef idx="0">
+              <a:schemeClr val="accent1"/>
+            </a:effectRef>
+            <a:fontRef idx="minor">
+              <a:schemeClr val="lt1"/>
+            </a:fontRef>
+          </p:style>
+          <p:txBody>
+            <a:bodyPr rtlCol="0" anchor="ctr"/>
+            <a:lstStyle/>
+            <a:p>
+              <a:pPr algn="r"/>
+              <a:r>
+                <a:rPr kumimoji="1" lang="ko-KR" altLang="en-US" dirty="0">
+                  <a:solidFill>
+                    <a:schemeClr val="tx1"/>
+                  </a:solidFill>
+                </a:rPr>
+                <a:t>요청 라인</a:t>
+              </a:r>
+            </a:p>
+          </p:txBody>
+        </p:sp>
+        <p:sp>
+          <p:nvSpPr>
+            <p:cNvPr id="29" name="직사각형 28">
+              <a:extLst>
+                <a:ext uri="{FF2B5EF4-FFF2-40B4-BE49-F238E27FC236}">
+                  <a16:creationId xmlns:a16="http://schemas.microsoft.com/office/drawing/2014/main" id="{18315435-7A57-0F44-9822-5CA9A0EA08F0}"/>
+                </a:ext>
+              </a:extLst>
+            </p:cNvPr>
+            <p:cNvSpPr/>
+            <p:nvPr/>
+          </p:nvSpPr>
+          <p:spPr>
+            <a:xfrm>
+              <a:off x="3419061" y="2007703"/>
+              <a:ext cx="7722704" cy="1088193"/>
+            </a:xfrm>
+            <a:prstGeom prst="rect">
+              <a:avLst/>
+            </a:prstGeom>
+            <a:solidFill>
+              <a:schemeClr val="accent5">
+                <a:alpha val="55000"/>
+              </a:schemeClr>
+            </a:solidFill>
+            <a:ln>
+              <a:noFill/>
+            </a:ln>
+          </p:spPr>
+          <p:style>
+            <a:lnRef idx="2">
+              <a:schemeClr val="accent1">
+                <a:shade val="50000"/>
+              </a:schemeClr>
+            </a:lnRef>
+            <a:fillRef idx="1">
+              <a:schemeClr val="accent1"/>
+            </a:fillRef>
+            <a:effectRef idx="0">
+              <a:schemeClr val="accent1"/>
+            </a:effectRef>
+            <a:fontRef idx="minor">
+              <a:schemeClr val="lt1"/>
+            </a:fontRef>
+          </p:style>
+          <p:txBody>
+            <a:bodyPr rtlCol="0" anchor="ctr"/>
+            <a:lstStyle/>
+            <a:p>
+              <a:pPr algn="r"/>
+              <a:r>
+                <a:rPr kumimoji="1" lang="en-US" altLang="ko-KR" dirty="0">
+                  <a:solidFill>
+                    <a:schemeClr val="tx1"/>
+                  </a:solidFill>
+                </a:rPr>
+                <a:t>0</a:t>
+              </a:r>
+              <a:r>
+                <a:rPr kumimoji="1" lang="ko-KR" altLang="en-US" dirty="0">
+                  <a:solidFill>
+                    <a:schemeClr val="tx1"/>
+                  </a:solidFill>
+                </a:rPr>
+                <a:t>개 이상의 요청 헤더</a:t>
+              </a:r>
+            </a:p>
+          </p:txBody>
+        </p:sp>
+        <p:sp>
+          <p:nvSpPr>
+            <p:cNvPr id="30" name="직사각형 29">
+              <a:extLst>
+                <a:ext uri="{FF2B5EF4-FFF2-40B4-BE49-F238E27FC236}">
+                  <a16:creationId xmlns:a16="http://schemas.microsoft.com/office/drawing/2014/main" id="{6883EFC3-9AED-124B-90A8-A4A9F9E225EF}"/>
+                </a:ext>
+              </a:extLst>
+            </p:cNvPr>
+            <p:cNvSpPr/>
+            <p:nvPr/>
+          </p:nvSpPr>
+          <p:spPr>
+            <a:xfrm>
+              <a:off x="3419061" y="3095897"/>
+              <a:ext cx="7722704" cy="417704"/>
+            </a:xfrm>
+            <a:prstGeom prst="rect">
+              <a:avLst/>
+            </a:prstGeom>
+            <a:solidFill>
+              <a:schemeClr val="accent4">
+                <a:alpha val="55000"/>
+              </a:schemeClr>
+            </a:solidFill>
+            <a:ln>
+              <a:noFill/>
+            </a:ln>
+          </p:spPr>
+          <p:style>
+            <a:lnRef idx="2">
+              <a:schemeClr val="accent1">
+                <a:shade val="50000"/>
+              </a:schemeClr>
+            </a:lnRef>
+            <a:fillRef idx="1">
+              <a:schemeClr val="accent1"/>
+            </a:fillRef>
+            <a:effectRef idx="0">
+              <a:schemeClr val="accent1"/>
+            </a:effectRef>
+            <a:fontRef idx="minor">
+              <a:schemeClr val="lt1"/>
+            </a:fontRef>
+          </p:style>
+          <p:txBody>
+            <a:bodyPr rtlCol="0" anchor="ctr"/>
+            <a:lstStyle/>
+            <a:p>
+              <a:pPr algn="r"/>
+              <a:r>
+                <a:rPr kumimoji="1" lang="ko-KR" altLang="en-US" dirty="0">
+                  <a:solidFill>
+                    <a:schemeClr val="tx1"/>
+                  </a:solidFill>
+                </a:rPr>
+                <a:t>빈 라인</a:t>
+              </a:r>
+            </a:p>
+          </p:txBody>
+        </p:sp>
+        <p:sp>
+          <p:nvSpPr>
+            <p:cNvPr id="31" name="직사각형 30">
+              <a:extLst>
+                <a:ext uri="{FF2B5EF4-FFF2-40B4-BE49-F238E27FC236}">
+                  <a16:creationId xmlns:a16="http://schemas.microsoft.com/office/drawing/2014/main" id="{33C80F5A-2DFD-094F-B2CB-FE8F4FA8CC96}"/>
+                </a:ext>
+              </a:extLst>
+            </p:cNvPr>
+            <p:cNvSpPr/>
+            <p:nvPr/>
+          </p:nvSpPr>
+          <p:spPr>
+            <a:xfrm>
+              <a:off x="3419061" y="3513600"/>
+              <a:ext cx="7722704" cy="1036799"/>
+            </a:xfrm>
+            <a:prstGeom prst="rect">
+              <a:avLst/>
+            </a:prstGeom>
+            <a:solidFill>
+              <a:schemeClr val="accent2">
+                <a:alpha val="55000"/>
+              </a:schemeClr>
+            </a:solidFill>
+            <a:ln>
+              <a:noFill/>
+            </a:ln>
+          </p:spPr>
+          <p:style>
+            <a:lnRef idx="2">
+              <a:schemeClr val="accent1">
+                <a:shade val="50000"/>
+              </a:schemeClr>
+            </a:lnRef>
+            <a:fillRef idx="1">
+              <a:schemeClr val="accent1"/>
+            </a:fillRef>
+            <a:effectRef idx="0">
+              <a:schemeClr val="accent1"/>
+            </a:effectRef>
+            <a:fontRef idx="minor">
+              <a:schemeClr val="lt1"/>
+            </a:fontRef>
+          </p:style>
+          <p:txBody>
+            <a:bodyPr rtlCol="0" anchor="ctr"/>
+            <a:lstStyle/>
+            <a:p>
+              <a:pPr algn="r"/>
+              <a:r>
+                <a:rPr kumimoji="1" lang="ko-KR" altLang="en-US" dirty="0">
+                  <a:solidFill>
+                    <a:schemeClr val="tx1"/>
+                  </a:solidFill>
+                </a:rPr>
+                <a:t>메시지 바디</a:t>
+              </a:r>
+              <a:r>
+                <a:rPr kumimoji="1" lang="en-US" altLang="ko-KR" dirty="0">
+                  <a:solidFill>
+                    <a:schemeClr val="tx1"/>
+                  </a:solidFill>
+                </a:rPr>
+                <a:t>(</a:t>
+              </a:r>
+              <a:r>
+                <a:rPr kumimoji="1" lang="ko-KR" altLang="en-US" dirty="0">
+                  <a:solidFill>
+                    <a:schemeClr val="tx1"/>
+                  </a:solidFill>
+                </a:rPr>
+                <a:t>선택</a:t>
+              </a:r>
+              <a:r>
+                <a:rPr kumimoji="1" lang="en-US" altLang="ko-KR" dirty="0">
+                  <a:solidFill>
+                    <a:schemeClr val="tx1"/>
+                  </a:solidFill>
+                </a:rPr>
+                <a:t>)</a:t>
+              </a:r>
+              <a:endParaRPr kumimoji="1" lang="ko-KR" altLang="en-US" dirty="0">
+                <a:solidFill>
+                  <a:schemeClr val="tx1"/>
+                </a:solidFill>
+              </a:endParaRPr>
+            </a:p>
+          </p:txBody>
+        </p:sp>
+      </p:grpSp>
+    </p:spTree>
+    <p:extLst>
+      <p:ext uri="{BB962C8B-B14F-4D97-AF65-F5344CB8AC3E}">
+        <p14:creationId xmlns:p14="http://schemas.microsoft.com/office/powerpoint/2010/main" val="491361492"/>
+      </p:ext>
+    </p:extLst>
+  </p:cSld>
+  <p:clrMapOvr>
+    <a:masterClrMapping/>
+  </p:clrMapOvr>
+</p:sld>
+</file>
+
+<file path=ppt/slides/slide2.xml><?xml version="1.0" encoding="utf-8"?>
+<p:sld xmlns:a="http://schemas.openxmlformats.org/drawingml/2006/main" xmlns:r="http://schemas.openxmlformats.org/officeDocument/2006/relationships" xmlns:p="http://schemas.openxmlformats.org/presentationml/2006/main">
+  <p:cSld>
+    <p:spTree>
+      <p:nvGrpSpPr>
+        <p:cNvPr id="1" name=""/>
+        <p:cNvGrpSpPr/>
+        <p:nvPr/>
+      </p:nvGrpSpPr>
+      <p:grpSpPr>
+        <a:xfrm>
+          <a:off x="0" y="0"/>
+          <a:ext cx="0" cy="0"/>
+          <a:chOff x="0" y="0"/>
+          <a:chExt cx="0" cy="0"/>
+        </a:xfrm>
+      </p:grpSpPr>
+      <p:grpSp>
+        <p:nvGrpSpPr>
           <p:cNvPr id="23" name="그룹 22">
             <a:extLst>
               <a:ext uri="{FF2B5EF4-FFF2-40B4-BE49-F238E27FC236}">
@@ -3852,7 +4323,7 @@
 </p:sld>
 </file>
 
-<file path=ppt/slides/slide2.xml><?xml version="1.0" encoding="utf-8"?>
+<file path=ppt/slides/slide3.xml><?xml version="1.0" encoding="utf-8"?>
 <p:sld xmlns:a="http://schemas.openxmlformats.org/drawingml/2006/main" xmlns:r="http://schemas.openxmlformats.org/officeDocument/2006/relationships" xmlns:p="http://schemas.openxmlformats.org/presentationml/2006/main">
   <p:cSld>
     <p:spTree>

--- a/assets/img/posts/etc/request.pptx
+++ b/assets/img/posts/etc/request.pptx
@@ -8,6 +8,7 @@
     <p:sldId id="258" r:id="rId2"/>
     <p:sldId id="256" r:id="rId3"/>
     <p:sldId id="257" r:id="rId4"/>
+    <p:sldId id="259" r:id="rId5"/>
   </p:sldIdLst>
   <p:sldSz cx="12192000" cy="6858000"/>
   <p:notesSz cx="6858000" cy="9144000"/>
@@ -261,7 +262,7 @@
           <a:p>
             <a:fld id="{4837D751-97B3-D04F-8B09-852EC63D87E8}" type="datetimeFigureOut">
               <a:rPr kumimoji="1" lang="ko-KR" altLang="en-US" smtClean="0"/>
-              <a:t>2021. 12. 21.</a:t>
+              <a:t>2022. 1. 9.</a:t>
             </a:fld>
             <a:endParaRPr kumimoji="1" lang="ko-KR" altLang="en-US"/>
           </a:p>
@@ -434,7 +435,7 @@
           <a:p>
             <a:fld id="{4837D751-97B3-D04F-8B09-852EC63D87E8}" type="datetimeFigureOut">
               <a:rPr kumimoji="1" lang="ko-KR" altLang="en-US" smtClean="0"/>
-              <a:t>2021. 12. 21.</a:t>
+              <a:t>2022. 1. 9.</a:t>
             </a:fld>
             <a:endParaRPr kumimoji="1" lang="ko-KR" altLang="en-US"/>
           </a:p>
@@ -617,7 +618,7 @@
           <a:p>
             <a:fld id="{4837D751-97B3-D04F-8B09-852EC63D87E8}" type="datetimeFigureOut">
               <a:rPr kumimoji="1" lang="ko-KR" altLang="en-US" smtClean="0"/>
-              <a:t>2021. 12. 21.</a:t>
+              <a:t>2022. 1. 9.</a:t>
             </a:fld>
             <a:endParaRPr kumimoji="1" lang="ko-KR" altLang="en-US"/>
           </a:p>
@@ -790,7 +791,7 @@
           <a:p>
             <a:fld id="{4837D751-97B3-D04F-8B09-852EC63D87E8}" type="datetimeFigureOut">
               <a:rPr kumimoji="1" lang="ko-KR" altLang="en-US" smtClean="0"/>
-              <a:t>2021. 12. 21.</a:t>
+              <a:t>2022. 1. 9.</a:t>
             </a:fld>
             <a:endParaRPr kumimoji="1" lang="ko-KR" altLang="en-US"/>
           </a:p>
@@ -1068,7 +1069,7 @@
           <a:p>
             <a:fld id="{4837D751-97B3-D04F-8B09-852EC63D87E8}" type="datetimeFigureOut">
               <a:rPr kumimoji="1" lang="ko-KR" altLang="en-US" smtClean="0"/>
-              <a:t>2021. 12. 21.</a:t>
+              <a:t>2022. 1. 9.</a:t>
             </a:fld>
             <a:endParaRPr kumimoji="1" lang="ko-KR" altLang="en-US"/>
           </a:p>
@@ -1283,7 +1284,7 @@
           <a:p>
             <a:fld id="{4837D751-97B3-D04F-8B09-852EC63D87E8}" type="datetimeFigureOut">
               <a:rPr kumimoji="1" lang="ko-KR" altLang="en-US" smtClean="0"/>
-              <a:t>2021. 12. 21.</a:t>
+              <a:t>2022. 1. 9.</a:t>
             </a:fld>
             <a:endParaRPr kumimoji="1" lang="ko-KR" altLang="en-US"/>
           </a:p>
@@ -1651,7 +1652,7 @@
           <a:p>
             <a:fld id="{4837D751-97B3-D04F-8B09-852EC63D87E8}" type="datetimeFigureOut">
               <a:rPr kumimoji="1" lang="ko-KR" altLang="en-US" smtClean="0"/>
-              <a:t>2021. 12. 21.</a:t>
+              <a:t>2022. 1. 9.</a:t>
             </a:fld>
             <a:endParaRPr kumimoji="1" lang="ko-KR" altLang="en-US"/>
           </a:p>
@@ -1792,7 +1793,7 @@
           <a:p>
             <a:fld id="{4837D751-97B3-D04F-8B09-852EC63D87E8}" type="datetimeFigureOut">
               <a:rPr kumimoji="1" lang="ko-KR" altLang="en-US" smtClean="0"/>
-              <a:t>2021. 12. 21.</a:t>
+              <a:t>2022. 1. 9.</a:t>
             </a:fld>
             <a:endParaRPr kumimoji="1" lang="ko-KR" altLang="en-US"/>
           </a:p>
@@ -1905,7 +1906,7 @@
           <a:p>
             <a:fld id="{4837D751-97B3-D04F-8B09-852EC63D87E8}" type="datetimeFigureOut">
               <a:rPr kumimoji="1" lang="ko-KR" altLang="en-US" smtClean="0"/>
-              <a:t>2021. 12. 21.</a:t>
+              <a:t>2022. 1. 9.</a:t>
             </a:fld>
             <a:endParaRPr kumimoji="1" lang="ko-KR" altLang="en-US"/>
           </a:p>
@@ -2194,7 +2195,7 @@
           <a:p>
             <a:fld id="{4837D751-97B3-D04F-8B09-852EC63D87E8}" type="datetimeFigureOut">
               <a:rPr kumimoji="1" lang="ko-KR" altLang="en-US" smtClean="0"/>
-              <a:t>2021. 12. 21.</a:t>
+              <a:t>2022. 1. 9.</a:t>
             </a:fld>
             <a:endParaRPr kumimoji="1" lang="ko-KR" altLang="en-US"/>
           </a:p>
@@ -2485,7 +2486,7 @@
           <a:p>
             <a:fld id="{4837D751-97B3-D04F-8B09-852EC63D87E8}" type="datetimeFigureOut">
               <a:rPr kumimoji="1" lang="ko-KR" altLang="en-US" smtClean="0"/>
-              <a:t>2021. 12. 21.</a:t>
+              <a:t>2022. 1. 9.</a:t>
             </a:fld>
             <a:endParaRPr kumimoji="1" lang="ko-KR" altLang="en-US"/>
           </a:p>
@@ -2701,7 +2702,7 @@
           <a:p>
             <a:fld id="{4837D751-97B3-D04F-8B09-852EC63D87E8}" type="datetimeFigureOut">
               <a:rPr kumimoji="1" lang="ko-KR" altLang="en-US" smtClean="0"/>
-              <a:t>2021. 12. 21.</a:t>
+              <a:t>2022. 1. 9.</a:t>
             </a:fld>
             <a:endParaRPr kumimoji="1" lang="ko-KR" altLang="en-US"/>
           </a:p>
@@ -4905,6 +4906,595 @@
 </p:sld>
 </file>
 
+<file path=ppt/slides/slide4.xml><?xml version="1.0" encoding="utf-8"?>
+<p:sld xmlns:a="http://schemas.openxmlformats.org/drawingml/2006/main" xmlns:r="http://schemas.openxmlformats.org/officeDocument/2006/relationships" xmlns:p="http://schemas.openxmlformats.org/presentationml/2006/main">
+  <p:cSld>
+    <p:spTree>
+      <p:nvGrpSpPr>
+        <p:cNvPr id="1" name=""/>
+        <p:cNvGrpSpPr/>
+        <p:nvPr/>
+      </p:nvGrpSpPr>
+      <p:grpSpPr>
+        <a:xfrm>
+          <a:off x="0" y="0"/>
+          <a:ext cx="0" cy="0"/>
+          <a:chOff x="0" y="0"/>
+          <a:chExt cx="0" cy="0"/>
+        </a:xfrm>
+      </p:grpSpPr>
+      <p:grpSp>
+        <p:nvGrpSpPr>
+          <p:cNvPr id="12" name="그룹 11">
+            <a:extLst>
+              <a:ext uri="{FF2B5EF4-FFF2-40B4-BE49-F238E27FC236}">
+                <a16:creationId xmlns:a16="http://schemas.microsoft.com/office/drawing/2014/main" id="{3E2E31A5-2EF2-F34F-AB3C-DC085008A2B0}"/>
+              </a:ext>
+            </a:extLst>
+          </p:cNvPr>
+          <p:cNvGrpSpPr/>
+          <p:nvPr/>
+        </p:nvGrpSpPr>
+        <p:grpSpPr>
+          <a:xfrm>
+            <a:off x="2216745" y="471946"/>
+            <a:ext cx="7237699" cy="6148310"/>
+            <a:chOff x="2216745" y="471946"/>
+            <a:chExt cx="7237699" cy="6148310"/>
+          </a:xfrm>
+        </p:grpSpPr>
+        <p:cxnSp>
+          <p:nvCxnSpPr>
+            <p:cNvPr id="4" name="직선 연결선[R] 3">
+              <a:extLst>
+                <a:ext uri="{FF2B5EF4-FFF2-40B4-BE49-F238E27FC236}">
+                  <a16:creationId xmlns:a16="http://schemas.microsoft.com/office/drawing/2014/main" id="{CD6EA306-6BED-6C4E-BA53-880872AFB845}"/>
+                </a:ext>
+              </a:extLst>
+            </p:cNvPr>
+            <p:cNvCxnSpPr/>
+            <p:nvPr/>
+          </p:nvCxnSpPr>
+          <p:spPr>
+            <a:xfrm>
+              <a:off x="2706624" y="933611"/>
+              <a:ext cx="0" cy="5686645"/>
+            </a:xfrm>
+            <a:prstGeom prst="line">
+              <a:avLst/>
+            </a:prstGeom>
+            <a:ln w="63500">
+              <a:solidFill>
+                <a:schemeClr val="tx1"/>
+              </a:solidFill>
+            </a:ln>
+          </p:spPr>
+          <p:style>
+            <a:lnRef idx="1">
+              <a:schemeClr val="accent1"/>
+            </a:lnRef>
+            <a:fillRef idx="0">
+              <a:schemeClr val="accent1"/>
+            </a:fillRef>
+            <a:effectRef idx="0">
+              <a:schemeClr val="accent1"/>
+            </a:effectRef>
+            <a:fontRef idx="minor">
+              <a:schemeClr val="tx1"/>
+            </a:fontRef>
+          </p:style>
+        </p:cxnSp>
+        <p:sp>
+          <p:nvSpPr>
+            <p:cNvPr id="5" name="TextBox 4">
+              <a:extLst>
+                <a:ext uri="{FF2B5EF4-FFF2-40B4-BE49-F238E27FC236}">
+                  <a16:creationId xmlns:a16="http://schemas.microsoft.com/office/drawing/2014/main" id="{32742E36-6B45-D34A-9AD5-FDF7CE2A04DD}"/>
+                </a:ext>
+              </a:extLst>
+            </p:cNvPr>
+            <p:cNvSpPr txBox="1"/>
+            <p:nvPr/>
+          </p:nvSpPr>
+          <p:spPr>
+            <a:xfrm>
+              <a:off x="2216745" y="471946"/>
+              <a:ext cx="979755" cy="461665"/>
+            </a:xfrm>
+            <a:prstGeom prst="rect">
+              <a:avLst/>
+            </a:prstGeom>
+            <a:noFill/>
+          </p:spPr>
+          <p:txBody>
+            <a:bodyPr wrap="none" rtlCol="0">
+              <a:spAutoFit/>
+            </a:bodyPr>
+            <a:lstStyle/>
+            <a:p>
+              <a:r>
+                <a:rPr kumimoji="1" lang="en-US" altLang="ko-KR" sz="2400" dirty="0"/>
+                <a:t>Client</a:t>
+              </a:r>
+              <a:endParaRPr kumimoji="1" lang="ko-KR" altLang="en-US" sz="2400" dirty="0"/>
+            </a:p>
+          </p:txBody>
+        </p:sp>
+        <p:cxnSp>
+          <p:nvCxnSpPr>
+            <p:cNvPr id="6" name="직선 연결선[R] 5">
+              <a:extLst>
+                <a:ext uri="{FF2B5EF4-FFF2-40B4-BE49-F238E27FC236}">
+                  <a16:creationId xmlns:a16="http://schemas.microsoft.com/office/drawing/2014/main" id="{BED28D12-AA00-DD42-8197-30F1424F88C2}"/>
+                </a:ext>
+              </a:extLst>
+            </p:cNvPr>
+            <p:cNvCxnSpPr/>
+            <p:nvPr/>
+          </p:nvCxnSpPr>
+          <p:spPr>
+            <a:xfrm>
+              <a:off x="8923562" y="933611"/>
+              <a:ext cx="0" cy="5686645"/>
+            </a:xfrm>
+            <a:prstGeom prst="line">
+              <a:avLst/>
+            </a:prstGeom>
+            <a:ln w="63500">
+              <a:solidFill>
+                <a:schemeClr val="tx1"/>
+              </a:solidFill>
+            </a:ln>
+          </p:spPr>
+          <p:style>
+            <a:lnRef idx="1">
+              <a:schemeClr val="accent1"/>
+            </a:lnRef>
+            <a:fillRef idx="0">
+              <a:schemeClr val="accent1"/>
+            </a:fillRef>
+            <a:effectRef idx="0">
+              <a:schemeClr val="accent1"/>
+            </a:effectRef>
+            <a:fontRef idx="minor">
+              <a:schemeClr val="tx1"/>
+            </a:fontRef>
+          </p:style>
+        </p:cxnSp>
+        <p:sp>
+          <p:nvSpPr>
+            <p:cNvPr id="7" name="TextBox 6">
+              <a:extLst>
+                <a:ext uri="{FF2B5EF4-FFF2-40B4-BE49-F238E27FC236}">
+                  <a16:creationId xmlns:a16="http://schemas.microsoft.com/office/drawing/2014/main" id="{57A48EF9-AD6D-6846-9AE1-E007996F3422}"/>
+                </a:ext>
+              </a:extLst>
+            </p:cNvPr>
+            <p:cNvSpPr txBox="1"/>
+            <p:nvPr/>
+          </p:nvSpPr>
+          <p:spPr>
+            <a:xfrm>
+              <a:off x="8392678" y="471946"/>
+              <a:ext cx="1061766" cy="461665"/>
+            </a:xfrm>
+            <a:prstGeom prst="rect">
+              <a:avLst/>
+            </a:prstGeom>
+            <a:noFill/>
+          </p:spPr>
+          <p:txBody>
+            <a:bodyPr wrap="none" rtlCol="0">
+              <a:spAutoFit/>
+            </a:bodyPr>
+            <a:lstStyle/>
+            <a:p>
+              <a:r>
+                <a:rPr kumimoji="1" lang="en-US" altLang="ko-KR" sz="2400" dirty="0"/>
+                <a:t>Server</a:t>
+              </a:r>
+              <a:endParaRPr kumimoji="1" lang="ko-KR" altLang="en-US" sz="2400" dirty="0"/>
+            </a:p>
+          </p:txBody>
+        </p:sp>
+        <p:cxnSp>
+          <p:nvCxnSpPr>
+            <p:cNvPr id="8" name="직선 화살표 연결선 7">
+              <a:extLst>
+                <a:ext uri="{FF2B5EF4-FFF2-40B4-BE49-F238E27FC236}">
+                  <a16:creationId xmlns:a16="http://schemas.microsoft.com/office/drawing/2014/main" id="{6D4237AC-8851-7441-BC73-F7988DA4ACEB}"/>
+                </a:ext>
+              </a:extLst>
+            </p:cNvPr>
+            <p:cNvCxnSpPr/>
+            <p:nvPr/>
+          </p:nvCxnSpPr>
+          <p:spPr>
+            <a:xfrm>
+              <a:off x="2706624" y="2111022"/>
+              <a:ext cx="6216938" cy="0"/>
+            </a:xfrm>
+            <a:prstGeom prst="straightConnector1">
+              <a:avLst/>
+            </a:prstGeom>
+            <a:ln w="63500">
+              <a:tailEnd type="triangle"/>
+            </a:ln>
+          </p:spPr>
+          <p:style>
+            <a:lnRef idx="1">
+              <a:schemeClr val="accent1"/>
+            </a:lnRef>
+            <a:fillRef idx="0">
+              <a:schemeClr val="accent1"/>
+            </a:fillRef>
+            <a:effectRef idx="0">
+              <a:schemeClr val="accent1"/>
+            </a:effectRef>
+            <a:fontRef idx="minor">
+              <a:schemeClr val="tx1"/>
+            </a:fontRef>
+          </p:style>
+        </p:cxnSp>
+        <p:sp>
+          <p:nvSpPr>
+            <p:cNvPr id="9" name="TextBox 8">
+              <a:extLst>
+                <a:ext uri="{FF2B5EF4-FFF2-40B4-BE49-F238E27FC236}">
+                  <a16:creationId xmlns:a16="http://schemas.microsoft.com/office/drawing/2014/main" id="{B71D214E-A4BA-6A4A-83E3-E690836F695B}"/>
+                </a:ext>
+              </a:extLst>
+            </p:cNvPr>
+            <p:cNvSpPr txBox="1"/>
+            <p:nvPr/>
+          </p:nvSpPr>
+          <p:spPr>
+            <a:xfrm>
+              <a:off x="3953743" y="1064581"/>
+              <a:ext cx="3745449" cy="2092881"/>
+            </a:xfrm>
+            <a:prstGeom prst="rect">
+              <a:avLst/>
+            </a:prstGeom>
+            <a:solidFill>
+              <a:schemeClr val="accent5">
+                <a:lumMod val="20000"/>
+                <a:lumOff val="80000"/>
+              </a:schemeClr>
+            </a:solidFill>
+          </p:spPr>
+          <p:txBody>
+            <a:bodyPr wrap="none" rtlCol="0">
+              <a:spAutoFit/>
+            </a:bodyPr>
+            <a:lstStyle/>
+            <a:p>
+              <a:r>
+                <a:rPr kumimoji="1" lang="en-US" altLang="ko-KR" sz="1600" dirty="0"/>
+                <a:t>TRACE /</a:t>
+              </a:r>
+              <a:r>
+                <a:rPr kumimoji="1" lang="en-US" altLang="ko-KR" sz="1600" dirty="0" err="1"/>
+                <a:t>http.html</a:t>
+              </a:r>
+              <a:r>
+                <a:rPr kumimoji="1" lang="en-US" altLang="ko-KR" sz="1600" dirty="0"/>
+                <a:t> HTTP/1.1</a:t>
+              </a:r>
+            </a:p>
+            <a:p>
+              <a:r>
+                <a:rPr kumimoji="1" lang="en-US" altLang="ko-KR" sz="1600" dirty="0"/>
+                <a:t>Host:</a:t>
+              </a:r>
+              <a:r>
+                <a:rPr kumimoji="1" lang="ko-KR" altLang="en-US" sz="1600" dirty="0"/>
+                <a:t> </a:t>
+              </a:r>
+              <a:r>
+                <a:rPr kumimoji="1" lang="en-US" altLang="ko-KR" sz="1600" dirty="0" err="1"/>
+                <a:t>beomy.github.io</a:t>
+              </a:r>
+              <a:endParaRPr kumimoji="1" lang="en-US" altLang="ko-KR" sz="1600" dirty="0"/>
+            </a:p>
+            <a:p>
+              <a:r>
+                <a:rPr kumimoji="1" lang="en-US" altLang="ko-KR" sz="1600" dirty="0"/>
+                <a:t>Content-Type:</a:t>
+              </a:r>
+              <a:r>
+                <a:rPr kumimoji="1" lang="ko-KR" altLang="en-US" sz="1600" dirty="0"/>
+                <a:t> </a:t>
+              </a:r>
+              <a:r>
+                <a:rPr kumimoji="1" lang="en-US" altLang="ko-KR" sz="1600" dirty="0"/>
+                <a:t>application/</a:t>
+              </a:r>
+              <a:r>
+                <a:rPr kumimoji="1" lang="en-US" altLang="ko-KR" sz="1600" dirty="0" err="1"/>
+                <a:t>json</a:t>
+              </a:r>
+              <a:endParaRPr kumimoji="1" lang="en-US" altLang="ko-KR" sz="1600" dirty="0"/>
+            </a:p>
+            <a:p>
+              <a:r>
+                <a:rPr kumimoji="1" lang="en-US" altLang="ko-KR" sz="1600" dirty="0"/>
+                <a:t>Content-Length:</a:t>
+              </a:r>
+              <a:r>
+                <a:rPr kumimoji="1" lang="ko-KR" altLang="en-US" sz="1600" dirty="0"/>
+                <a:t> </a:t>
+              </a:r>
+              <a:r>
+                <a:rPr kumimoji="1" lang="en-US" altLang="ko-KR" sz="1600" dirty="0"/>
+                <a:t>32</a:t>
+              </a:r>
+            </a:p>
+            <a:p>
+              <a:endParaRPr kumimoji="1" lang="en-US" altLang="ko-KR" sz="1600" dirty="0"/>
+            </a:p>
+            <a:p>
+              <a:r>
+                <a:rPr kumimoji="1" lang="en-US" altLang="ko-KR" sz="1600" dirty="0"/>
+                <a:t>{</a:t>
+              </a:r>
+            </a:p>
+            <a:p>
+              <a:r>
+                <a:rPr kumimoji="1" lang="ko-KR" altLang="en-US" sz="1600" dirty="0"/>
+                <a:t>    </a:t>
+              </a:r>
+              <a:r>
+                <a:rPr kumimoji="1" lang="en-US" altLang="ko-KR" sz="1600" dirty="0"/>
+                <a:t>“data”:</a:t>
+              </a:r>
+              <a:r>
+                <a:rPr kumimoji="1" lang="ko-KR" altLang="en-US" sz="1600" dirty="0"/>
+                <a:t> </a:t>
+              </a:r>
+              <a:r>
+                <a:rPr kumimoji="1" lang="en-US" altLang="ko-KR" sz="1600" dirty="0"/>
+                <a:t>“</a:t>
+              </a:r>
+              <a:r>
+                <a:rPr kumimoji="1" lang="ko-KR" altLang="en-US" sz="1600" dirty="0"/>
+                <a:t>데이터가 바디에 담깁니다</a:t>
+              </a:r>
+              <a:r>
+                <a:rPr kumimoji="1" lang="en-US" altLang="ko-KR" sz="1600" dirty="0"/>
+                <a:t>.</a:t>
+              </a:r>
+              <a:r>
+                <a:rPr kumimoji="1" lang="ko-KR" altLang="en-US" sz="1600" dirty="0"/>
+                <a:t>”</a:t>
+              </a:r>
+              <a:endParaRPr kumimoji="1" lang="en-US" altLang="ko-KR" sz="1600" dirty="0"/>
+            </a:p>
+            <a:p>
+              <a:r>
+                <a:rPr kumimoji="1" lang="en-US" altLang="ko-KR" sz="1600" dirty="0"/>
+                <a:t>}</a:t>
+              </a:r>
+              <a:endParaRPr kumimoji="1" lang="ko-KR" altLang="en-US" sz="1600" dirty="0"/>
+            </a:p>
+          </p:txBody>
+        </p:sp>
+        <p:cxnSp>
+          <p:nvCxnSpPr>
+            <p:cNvPr id="10" name="직선 화살표 연결선 9">
+              <a:extLst>
+                <a:ext uri="{FF2B5EF4-FFF2-40B4-BE49-F238E27FC236}">
+                  <a16:creationId xmlns:a16="http://schemas.microsoft.com/office/drawing/2014/main" id="{C4EE1C29-E30B-B240-A97B-A1E5F8444CB7}"/>
+                </a:ext>
+              </a:extLst>
+            </p:cNvPr>
+            <p:cNvCxnSpPr>
+              <a:cxnSpLocks/>
+            </p:cNvCxnSpPr>
+            <p:nvPr/>
+          </p:nvCxnSpPr>
+          <p:spPr>
+            <a:xfrm flipH="1">
+              <a:off x="2706623" y="5219011"/>
+              <a:ext cx="6216938" cy="0"/>
+            </a:xfrm>
+            <a:prstGeom prst="straightConnector1">
+              <a:avLst/>
+            </a:prstGeom>
+            <a:ln w="63500">
+              <a:solidFill>
+                <a:schemeClr val="accent6"/>
+              </a:solidFill>
+              <a:tailEnd type="triangle"/>
+            </a:ln>
+          </p:spPr>
+          <p:style>
+            <a:lnRef idx="1">
+              <a:schemeClr val="accent1"/>
+            </a:lnRef>
+            <a:fillRef idx="0">
+              <a:schemeClr val="accent1"/>
+            </a:fillRef>
+            <a:effectRef idx="0">
+              <a:schemeClr val="accent1"/>
+            </a:effectRef>
+            <a:fontRef idx="minor">
+              <a:schemeClr val="tx1"/>
+            </a:fontRef>
+          </p:style>
+        </p:cxnSp>
+        <p:sp>
+          <p:nvSpPr>
+            <p:cNvPr id="11" name="TextBox 10">
+              <a:extLst>
+                <a:ext uri="{FF2B5EF4-FFF2-40B4-BE49-F238E27FC236}">
+                  <a16:creationId xmlns:a16="http://schemas.microsoft.com/office/drawing/2014/main" id="{4BE08B4D-B719-7540-B56F-9CBC63C91B30}"/>
+                </a:ext>
+              </a:extLst>
+            </p:cNvPr>
+            <p:cNvSpPr txBox="1"/>
+            <p:nvPr/>
+          </p:nvSpPr>
+          <p:spPr>
+            <a:xfrm>
+              <a:off x="3953742" y="3819489"/>
+              <a:ext cx="3745449" cy="2800767"/>
+            </a:xfrm>
+            <a:prstGeom prst="rect">
+              <a:avLst/>
+            </a:prstGeom>
+            <a:solidFill>
+              <a:schemeClr val="accent6">
+                <a:lumMod val="20000"/>
+                <a:lumOff val="80000"/>
+              </a:schemeClr>
+            </a:solidFill>
+          </p:spPr>
+          <p:txBody>
+            <a:bodyPr wrap="square" rtlCol="0">
+              <a:spAutoFit/>
+            </a:bodyPr>
+            <a:lstStyle/>
+            <a:p>
+              <a:r>
+                <a:rPr kumimoji="1" lang="en-US" altLang="ko-KR" sz="1600" dirty="0"/>
+                <a:t>HTTP/1.1 200 OK</a:t>
+              </a:r>
+            </a:p>
+            <a:p>
+              <a:r>
+                <a:rPr kumimoji="1" lang="en-US" altLang="ko-KR" sz="1600" dirty="0"/>
+                <a:t>Content-Type: message/http</a:t>
+              </a:r>
+            </a:p>
+            <a:p>
+              <a:endParaRPr kumimoji="1" lang="en-US" altLang="ko-KR" sz="1600" dirty="0"/>
+            </a:p>
+            <a:p>
+              <a:r>
+                <a:rPr kumimoji="1" lang="en-US" altLang="ko-KR" sz="1600" dirty="0"/>
+                <a:t>TRACE /</a:t>
+              </a:r>
+              <a:r>
+                <a:rPr kumimoji="1" lang="en-US" altLang="ko-KR" sz="1600" dirty="0" err="1"/>
+                <a:t>http.html</a:t>
+              </a:r>
+              <a:r>
+                <a:rPr kumimoji="1" lang="en-US" altLang="ko-KR" sz="1600" dirty="0"/>
+                <a:t> HTTP/1.1</a:t>
+              </a:r>
+            </a:p>
+            <a:p>
+              <a:r>
+                <a:rPr kumimoji="1" lang="en-US" altLang="ko-KR" sz="1600" dirty="0"/>
+                <a:t>Host:</a:t>
+              </a:r>
+              <a:r>
+                <a:rPr kumimoji="1" lang="ko-KR" altLang="en-US" sz="1600" dirty="0"/>
+                <a:t> </a:t>
+              </a:r>
+              <a:r>
+                <a:rPr kumimoji="1" lang="en-US" altLang="ko-KR" sz="1600" dirty="0" err="1"/>
+                <a:t>beomy.github.io</a:t>
+              </a:r>
+              <a:endParaRPr kumimoji="1" lang="en-US" altLang="ko-KR" sz="1600" dirty="0"/>
+            </a:p>
+            <a:p>
+              <a:r>
+                <a:rPr kumimoji="1" lang="en-US" altLang="ko-KR" sz="1600" dirty="0"/>
+                <a:t>Content-Type:</a:t>
+              </a:r>
+              <a:r>
+                <a:rPr kumimoji="1" lang="ko-KR" altLang="en-US" sz="1600" dirty="0"/>
+                <a:t> </a:t>
+              </a:r>
+              <a:r>
+                <a:rPr kumimoji="1" lang="en-US" altLang="ko-KR" sz="1600" dirty="0"/>
+                <a:t>application/</a:t>
+              </a:r>
+              <a:r>
+                <a:rPr kumimoji="1" lang="en-US" altLang="ko-KR" sz="1600" dirty="0" err="1"/>
+                <a:t>json</a:t>
+              </a:r>
+              <a:endParaRPr kumimoji="1" lang="en-US" altLang="ko-KR" sz="1600" dirty="0"/>
+            </a:p>
+            <a:p>
+              <a:r>
+                <a:rPr kumimoji="1" lang="en-US" altLang="ko-KR" sz="1600" dirty="0"/>
+                <a:t>Content-Length:</a:t>
+              </a:r>
+              <a:r>
+                <a:rPr kumimoji="1" lang="ko-KR" altLang="en-US" sz="1600" dirty="0"/>
+                <a:t> </a:t>
+              </a:r>
+              <a:r>
+                <a:rPr kumimoji="1" lang="en-US" altLang="ko-KR" sz="1600" dirty="0"/>
+                <a:t>32</a:t>
+              </a:r>
+            </a:p>
+            <a:p>
+              <a:endParaRPr kumimoji="1" lang="en-US" altLang="ko-KR" sz="1600" dirty="0"/>
+            </a:p>
+            <a:p>
+              <a:r>
+                <a:rPr kumimoji="1" lang="en-US" altLang="ko-KR" sz="1600" dirty="0"/>
+                <a:t>{</a:t>
+              </a:r>
+            </a:p>
+            <a:p>
+              <a:r>
+                <a:rPr kumimoji="1" lang="ko-KR" altLang="en-US" sz="1600" dirty="0"/>
+                <a:t>    </a:t>
+              </a:r>
+              <a:r>
+                <a:rPr kumimoji="1" lang="en-US" altLang="ko-KR" sz="1600" dirty="0"/>
+                <a:t>“data”:</a:t>
+              </a:r>
+              <a:r>
+                <a:rPr kumimoji="1" lang="ko-KR" altLang="en-US" sz="1600" dirty="0"/>
+                <a:t> </a:t>
+              </a:r>
+              <a:r>
+                <a:rPr kumimoji="1" lang="en-US" altLang="ko-KR" sz="1600" dirty="0"/>
+                <a:t>“</a:t>
+              </a:r>
+              <a:r>
+                <a:rPr kumimoji="1" lang="ko-KR" altLang="en-US" sz="1600" dirty="0"/>
+                <a:t>데이터가 바디에 담깁니다</a:t>
+              </a:r>
+              <a:r>
+                <a:rPr kumimoji="1" lang="en-US" altLang="ko-KR" sz="1600" dirty="0"/>
+                <a:t>.</a:t>
+              </a:r>
+              <a:r>
+                <a:rPr kumimoji="1" lang="ko-KR" altLang="en-US" sz="1600" dirty="0"/>
+                <a:t>”</a:t>
+              </a:r>
+              <a:endParaRPr kumimoji="1" lang="en-US" altLang="ko-KR" sz="1600" dirty="0"/>
+            </a:p>
+            <a:p>
+              <a:r>
+                <a:rPr kumimoji="1" lang="en-US" altLang="ko-KR" sz="1600" dirty="0"/>
+                <a:t>}</a:t>
+              </a:r>
+              <a:endParaRPr kumimoji="1" lang="ko-KR" altLang="en-US" sz="1600" dirty="0"/>
+            </a:p>
+          </p:txBody>
+        </p:sp>
+      </p:grpSp>
+    </p:spTree>
+    <p:extLst>
+      <p:ext uri="{BB962C8B-B14F-4D97-AF65-F5344CB8AC3E}">
+        <p14:creationId xmlns:p14="http://schemas.microsoft.com/office/powerpoint/2010/main" val="2253541977"/>
+      </p:ext>
+    </p:extLst>
+  </p:cSld>
+  <p:clrMapOvr>
+    <a:masterClrMapping/>
+  </p:clrMapOvr>
+</p:sld>
+</file>
+
 <file path=ppt/theme/theme1.xml><?xml version="1.0" encoding="utf-8"?>
 <a:theme xmlns:a="http://schemas.openxmlformats.org/drawingml/2006/main" name="Office 테마">
   <a:themeElements>
